--- a/reports/final_report.pptx
+++ b/reports/final_report.pptx
@@ -17,6 +17,15 @@
     <p:sldId id="265" r:id="rId16"/>
     <p:sldId id="266" r:id="rId17"/>
     <p:sldId id="267" r:id="rId18"/>
+    <p:sldId id="268" r:id="rId19"/>
+    <p:sldId id="269" r:id="rId20"/>
+    <p:sldId id="270" r:id="rId21"/>
+    <p:sldId id="271" r:id="rId22"/>
+    <p:sldId id="272" r:id="rId23"/>
+    <p:sldId id="273" r:id="rId24"/>
+    <p:sldId id="274" r:id="rId25"/>
+    <p:sldId id="275" r:id="rId26"/>
+    <p:sldId id="276" r:id="rId27"/>
   </p:sldIdLst>
   <p:sldSz cx="9144000" cy="6858000" type="screen4x3"/>
   <p:notesSz cx="6858000" cy="9144000"/>
@@ -3106,39 +3115,40 @@
             <a:spLocks noGrp="1"/>
           </p:cNvSpPr>
           <p:nvPr>
-            <p:ph type="title"/>
-          </p:nvPr>
-        </p:nvSpPr>
-        <p:spPr/>
-        <p:txBody>
-          <a:bodyPr/>
-          <a:lstStyle/>
-          <a:p>
-            <a:r>
-              <a:t>Project Title: Conversion Rate Analysis</a:t>
-            </a:r>
-          </a:p>
-        </p:txBody>
-      </p:sp>
-      <p:sp>
-        <p:nvSpPr>
-          <p:cNvPr id="3" name="Content Placeholder 2"/>
-          <p:cNvSpPr>
-            <a:spLocks noGrp="1"/>
-          </p:cNvSpPr>
-          <p:nvPr>
-            <p:ph idx="1"/>
-          </p:nvPr>
-        </p:nvSpPr>
-        <p:spPr/>
-        <p:txBody>
-          <a:bodyPr/>
-          <a:lstStyle/>
-          <a:p/>
-          <a:p>
-            <a:pPr/>
-            <a:r>
-              <a:t>Analyzed conversion rates between two marketing groups to optimize ROI.</a:t>
+            <p:ph type="ctrTitle"/>
+          </p:nvPr>
+        </p:nvSpPr>
+        <p:spPr/>
+        <p:txBody>
+          <a:bodyPr/>
+          <a:lstStyle/>
+          <a:p>
+            <a:r>
+              <a:t>Ad Campaign A/B Analysis</a:t>
+            </a:r>
+          </a:p>
+        </p:txBody>
+      </p:sp>
+      <p:sp>
+        <p:nvSpPr>
+          <p:cNvPr id="3" name="Subtitle 2"/>
+          <p:cNvSpPr>
+            <a:spLocks noGrp="1"/>
+          </p:cNvSpPr>
+          <p:nvPr>
+            <p:ph type="subTitle" idx="1"/>
+          </p:nvPr>
+        </p:nvSpPr>
+        <p:spPr/>
+        <p:txBody>
+          <a:bodyPr/>
+          <a:lstStyle/>
+          <a:p>
+            <a:pPr>
+              <a:defRPr sz="1400"/>
+            </a:pPr>
+            <a:r>
+              <a:t>Automated KPI, stats tests, and insights</a:t>
             </a:r>
           </a:p>
         </p:txBody>
@@ -3177,35 +3187,93 @@
           <a:lstStyle/>
           <a:p>
             <a:r>
-              <a:t>conversion_rate</a:t>
-            </a:r>
-          </a:p>
-        </p:txBody>
-      </p:sp>
-      <p:pic>
-        <p:nvPicPr>
-          <p:cNvPr id="3" name="Picture 2" descr="conversion_rate_by_group.png"/>
-          <p:cNvPicPr>
-            <a:picLocks noChangeAspect="1"/>
-          </p:cNvPicPr>
-          <p:nvPr/>
-        </p:nvPicPr>
-        <p:blipFill>
-          <a:blip r:embed="rId2"/>
-          <a:stretch>
-            <a:fillRect/>
-          </a:stretch>
-        </p:blipFill>
-        <p:spPr>
-          <a:xfrm>
-            <a:off x="457200" y="914400"/>
-            <a:ext cx="7315200" cy="4876800"/>
-          </a:xfrm>
-          <a:prstGeom prst="rect">
-            <a:avLst/>
-          </a:prstGeom>
-        </p:spPr>
-      </p:pic>
+              <a:t>Appendix: Charts</a:t>
+            </a:r>
+          </a:p>
+        </p:txBody>
+      </p:sp>
+      <p:sp>
+        <p:nvSpPr>
+          <p:cNvPr id="3" name="Content Placeholder 2"/>
+          <p:cNvSpPr>
+            <a:spLocks noGrp="1"/>
+          </p:cNvSpPr>
+          <p:nvPr>
+            <p:ph idx="1"/>
+          </p:nvPr>
+        </p:nvSpPr>
+        <p:spPr/>
+        <p:txBody>
+          <a:bodyPr/>
+          <a:lstStyle/>
+          <a:p>
+            <a:pPr/>
+            <a:r>
+              <a:t>Conversion Rate by Group: reports/charts/conversion_rate_by_group.png</a:t>
+            </a:r>
+          </a:p>
+          <a:p>
+            <a:pPr/>
+            <a:r>
+              <a:t>Revenue Distribution: reports/charts/revenue_distribution.png</a:t>
+            </a:r>
+          </a:p>
+          <a:p>
+            <a:pPr/>
+            <a:r>
+              <a:t>Return of Investment : reports/charts/roi_comparison.png</a:t>
+            </a:r>
+          </a:p>
+          <a:p>
+            <a:pPr/>
+            <a:r>
+              <a:t>Purchases Over Time: reports/charts/ts_purchases_by_group.png</a:t>
+            </a:r>
+          </a:p>
+          <a:p>
+            <a:pPr/>
+            <a:r>
+              <a:t>Impressions Over Time: reports/charts/ts_impressions_by_group.png</a:t>
+            </a:r>
+          </a:p>
+          <a:p>
+            <a:pPr/>
+            <a:r>
+              <a:t>Spend Over Time: reports/charts/ts_spend_by_group.png</a:t>
+            </a:r>
+          </a:p>
+          <a:p>
+            <a:pPr/>
+            <a:r>
+              <a:t>Website Clicks Over Time: reports/charts/ts_clicks_by_group.png</a:t>
+            </a:r>
+          </a:p>
+          <a:p>
+            <a:pPr/>
+            <a:r>
+              <a:t>Conversion Funnel — Group A: reports/charts/funnel_group_A.png</a:t>
+            </a:r>
+          </a:p>
+          <a:p>
+            <a:pPr/>
+            <a:r>
+              <a:t>Conversion Funnel — Group B: reports/charts/funnel_group_B.png</a:t>
+            </a:r>
+          </a:p>
+          <a:p>
+            <a:pPr/>
+            <a:r>
+              <a:t>Spend vs Purchases — Group A: reports/charts/pie_spend_vs_purchases_group_A.png</a:t>
+            </a:r>
+          </a:p>
+          <a:p>
+            <a:pPr/>
+            <a:r>
+              <a:t>Spend vs Purchases — Group B: reports/charts/pie_spend_vs_purchases_group_B.png</a:t>
+            </a:r>
+          </a:p>
+        </p:txBody>
+      </p:sp>
     </p:spTree>
   </p:cSld>
   <p:clrMapOvr>
@@ -3240,14 +3308,14 @@
           <a:lstStyle/>
           <a:p>
             <a:r>
-              <a:t>roi_comparison</a:t>
+              <a:t>Conversion Rate by Group</a:t>
             </a:r>
           </a:p>
         </p:txBody>
       </p:sp>
       <p:pic>
         <p:nvPicPr>
-          <p:cNvPr id="3" name="Picture 2" descr="roi_comparison.png"/>
+          <p:cNvPr id="3" name="Picture 2" descr="conversion_rate_by_group.png"/>
           <p:cNvPicPr>
             <a:picLocks noChangeAspect="1"/>
           </p:cNvPicPr>
@@ -3261,8 +3329,8 @@
         </p:blipFill>
         <p:spPr>
           <a:xfrm>
-            <a:off x="457200" y="914400"/>
-            <a:ext cx="7315200" cy="4876800"/>
+            <a:off x="1714500" y="1752599"/>
+            <a:ext cx="5715000" cy="3810000"/>
           </a:xfrm>
           <a:prstGeom prst="rect">
             <a:avLst/>
@@ -3303,7 +3371,7 @@
           <a:lstStyle/>
           <a:p>
             <a:r>
-              <a:t>revenue_distribution</a:t>
+              <a:t>Revenue Distribution</a:t>
             </a:r>
           </a:p>
         </p:txBody>
@@ -3324,8 +3392,449 @@
         </p:blipFill>
         <p:spPr>
           <a:xfrm>
-            <a:off x="457200" y="914400"/>
-            <a:ext cx="7315200" cy="3657600"/>
+            <a:off x="761999" y="1752599"/>
+            <a:ext cx="7620000" cy="3810000"/>
+          </a:xfrm>
+          <a:prstGeom prst="rect">
+            <a:avLst/>
+          </a:prstGeom>
+        </p:spPr>
+      </p:pic>
+    </p:spTree>
+  </p:cSld>
+  <p:clrMapOvr>
+    <a:masterClrMapping/>
+  </p:clrMapOvr>
+</p:sld>
+</file>
+
+<file path=ppt/slides/slide13.xml><?xml version="1.0" encoding="utf-8"?>
+<p:sld xmlns:a="http://schemas.openxmlformats.org/drawingml/2006/main" xmlns:p="http://schemas.openxmlformats.org/presentationml/2006/main" xmlns:r="http://schemas.openxmlformats.org/officeDocument/2006/relationships">
+  <p:cSld>
+    <p:spTree>
+      <p:nvGrpSpPr>
+        <p:cNvPr id="1" name=""/>
+        <p:cNvGrpSpPr/>
+        <p:nvPr/>
+      </p:nvGrpSpPr>
+      <p:grpSpPr/>
+      <p:sp>
+        <p:nvSpPr>
+          <p:cNvPr id="2" name="Title 1"/>
+          <p:cNvSpPr>
+            <a:spLocks noGrp="1"/>
+          </p:cNvSpPr>
+          <p:nvPr>
+            <p:ph type="title"/>
+          </p:nvPr>
+        </p:nvSpPr>
+        <p:spPr/>
+        <p:txBody>
+          <a:bodyPr/>
+          <a:lstStyle/>
+          <a:p>
+            <a:r>
+              <a:t>Return of Investment </a:t>
+            </a:r>
+          </a:p>
+        </p:txBody>
+      </p:sp>
+      <p:pic>
+        <p:nvPicPr>
+          <p:cNvPr id="3" name="Picture 2" descr="roi_comparison.png"/>
+          <p:cNvPicPr>
+            <a:picLocks noChangeAspect="1"/>
+          </p:cNvPicPr>
+          <p:nvPr/>
+        </p:nvPicPr>
+        <p:blipFill>
+          <a:blip r:embed="rId2"/>
+          <a:stretch>
+            <a:fillRect/>
+          </a:stretch>
+        </p:blipFill>
+        <p:spPr>
+          <a:xfrm>
+            <a:off x="1714500" y="1752599"/>
+            <a:ext cx="5715000" cy="3810000"/>
+          </a:xfrm>
+          <a:prstGeom prst="rect">
+            <a:avLst/>
+          </a:prstGeom>
+        </p:spPr>
+      </p:pic>
+    </p:spTree>
+  </p:cSld>
+  <p:clrMapOvr>
+    <a:masterClrMapping/>
+  </p:clrMapOvr>
+</p:sld>
+</file>
+
+<file path=ppt/slides/slide14.xml><?xml version="1.0" encoding="utf-8"?>
+<p:sld xmlns:a="http://schemas.openxmlformats.org/drawingml/2006/main" xmlns:p="http://schemas.openxmlformats.org/presentationml/2006/main" xmlns:r="http://schemas.openxmlformats.org/officeDocument/2006/relationships">
+  <p:cSld>
+    <p:spTree>
+      <p:nvGrpSpPr>
+        <p:cNvPr id="1" name=""/>
+        <p:cNvGrpSpPr/>
+        <p:nvPr/>
+      </p:nvGrpSpPr>
+      <p:grpSpPr/>
+      <p:sp>
+        <p:nvSpPr>
+          <p:cNvPr id="2" name="Title 1"/>
+          <p:cNvSpPr>
+            <a:spLocks noGrp="1"/>
+          </p:cNvSpPr>
+          <p:nvPr>
+            <p:ph type="title"/>
+          </p:nvPr>
+        </p:nvSpPr>
+        <p:spPr/>
+        <p:txBody>
+          <a:bodyPr/>
+          <a:lstStyle/>
+          <a:p>
+            <a:r>
+              <a:t>Purchases Over Time</a:t>
+            </a:r>
+          </a:p>
+        </p:txBody>
+      </p:sp>
+      <p:pic>
+        <p:nvPicPr>
+          <p:cNvPr id="3" name="Picture 2" descr="ts_purchases_by_group.png"/>
+          <p:cNvPicPr>
+            <a:picLocks noChangeAspect="1"/>
+          </p:cNvPicPr>
+          <p:nvPr/>
+        </p:nvPicPr>
+        <p:blipFill>
+          <a:blip r:embed="rId2"/>
+          <a:stretch>
+            <a:fillRect/>
+          </a:stretch>
+        </p:blipFill>
+        <p:spPr>
+          <a:xfrm>
+            <a:off x="168703" y="1097280"/>
+            <a:ext cx="8806593" cy="5120640"/>
+          </a:xfrm>
+          <a:prstGeom prst="rect">
+            <a:avLst/>
+          </a:prstGeom>
+        </p:spPr>
+      </p:pic>
+    </p:spTree>
+  </p:cSld>
+  <p:clrMapOvr>
+    <a:masterClrMapping/>
+  </p:clrMapOvr>
+</p:sld>
+</file>
+
+<file path=ppt/slides/slide15.xml><?xml version="1.0" encoding="utf-8"?>
+<p:sld xmlns:a="http://schemas.openxmlformats.org/drawingml/2006/main" xmlns:p="http://schemas.openxmlformats.org/presentationml/2006/main" xmlns:r="http://schemas.openxmlformats.org/officeDocument/2006/relationships">
+  <p:cSld>
+    <p:spTree>
+      <p:nvGrpSpPr>
+        <p:cNvPr id="1" name=""/>
+        <p:cNvGrpSpPr/>
+        <p:nvPr/>
+      </p:nvGrpSpPr>
+      <p:grpSpPr/>
+      <p:sp>
+        <p:nvSpPr>
+          <p:cNvPr id="2" name="Title 1"/>
+          <p:cNvSpPr>
+            <a:spLocks noGrp="1"/>
+          </p:cNvSpPr>
+          <p:nvPr>
+            <p:ph type="title"/>
+          </p:nvPr>
+        </p:nvSpPr>
+        <p:spPr/>
+        <p:txBody>
+          <a:bodyPr/>
+          <a:lstStyle/>
+          <a:p>
+            <a:r>
+              <a:t>Impressions Over Time</a:t>
+            </a:r>
+          </a:p>
+        </p:txBody>
+      </p:sp>
+      <p:pic>
+        <p:nvPicPr>
+          <p:cNvPr id="3" name="Picture 2" descr="ts_impressions_by_group.png"/>
+          <p:cNvPicPr>
+            <a:picLocks noChangeAspect="1"/>
+          </p:cNvPicPr>
+          <p:nvPr/>
+        </p:nvPicPr>
+        <p:blipFill>
+          <a:blip r:embed="rId2"/>
+          <a:stretch>
+            <a:fillRect/>
+          </a:stretch>
+        </p:blipFill>
+        <p:spPr>
+          <a:xfrm>
+            <a:off x="10610" y="1097280"/>
+            <a:ext cx="9122778" cy="5120640"/>
+          </a:xfrm>
+          <a:prstGeom prst="rect">
+            <a:avLst/>
+          </a:prstGeom>
+        </p:spPr>
+      </p:pic>
+    </p:spTree>
+  </p:cSld>
+  <p:clrMapOvr>
+    <a:masterClrMapping/>
+  </p:clrMapOvr>
+</p:sld>
+</file>
+
+<file path=ppt/slides/slide16.xml><?xml version="1.0" encoding="utf-8"?>
+<p:sld xmlns:a="http://schemas.openxmlformats.org/drawingml/2006/main" xmlns:p="http://schemas.openxmlformats.org/presentationml/2006/main" xmlns:r="http://schemas.openxmlformats.org/officeDocument/2006/relationships">
+  <p:cSld>
+    <p:spTree>
+      <p:nvGrpSpPr>
+        <p:cNvPr id="1" name=""/>
+        <p:cNvGrpSpPr/>
+        <p:nvPr/>
+      </p:nvGrpSpPr>
+      <p:grpSpPr/>
+      <p:sp>
+        <p:nvSpPr>
+          <p:cNvPr id="2" name="Title 1"/>
+          <p:cNvSpPr>
+            <a:spLocks noGrp="1"/>
+          </p:cNvSpPr>
+          <p:nvPr>
+            <p:ph type="title"/>
+          </p:nvPr>
+        </p:nvSpPr>
+        <p:spPr/>
+        <p:txBody>
+          <a:bodyPr/>
+          <a:lstStyle/>
+          <a:p>
+            <a:r>
+              <a:t>Spend Over Time</a:t>
+            </a:r>
+          </a:p>
+        </p:txBody>
+      </p:sp>
+      <p:pic>
+        <p:nvPicPr>
+          <p:cNvPr id="3" name="Picture 2" descr="ts_spend_by_group.png"/>
+          <p:cNvPicPr>
+            <a:picLocks noChangeAspect="1"/>
+          </p:cNvPicPr>
+          <p:nvPr/>
+        </p:nvPicPr>
+        <p:blipFill>
+          <a:blip r:embed="rId2"/>
+          <a:stretch>
+            <a:fillRect/>
+          </a:stretch>
+        </p:blipFill>
+        <p:spPr>
+          <a:xfrm>
+            <a:off x="24565" y="1097280"/>
+            <a:ext cx="9094868" cy="5120640"/>
+          </a:xfrm>
+          <a:prstGeom prst="rect">
+            <a:avLst/>
+          </a:prstGeom>
+        </p:spPr>
+      </p:pic>
+    </p:spTree>
+  </p:cSld>
+  <p:clrMapOvr>
+    <a:masterClrMapping/>
+  </p:clrMapOvr>
+</p:sld>
+</file>
+
+<file path=ppt/slides/slide17.xml><?xml version="1.0" encoding="utf-8"?>
+<p:sld xmlns:a="http://schemas.openxmlformats.org/drawingml/2006/main" xmlns:p="http://schemas.openxmlformats.org/presentationml/2006/main" xmlns:r="http://schemas.openxmlformats.org/officeDocument/2006/relationships">
+  <p:cSld>
+    <p:spTree>
+      <p:nvGrpSpPr>
+        <p:cNvPr id="1" name=""/>
+        <p:cNvGrpSpPr/>
+        <p:nvPr/>
+      </p:nvGrpSpPr>
+      <p:grpSpPr/>
+      <p:sp>
+        <p:nvSpPr>
+          <p:cNvPr id="2" name="Title 1"/>
+          <p:cNvSpPr>
+            <a:spLocks noGrp="1"/>
+          </p:cNvSpPr>
+          <p:nvPr>
+            <p:ph type="title"/>
+          </p:nvPr>
+        </p:nvSpPr>
+        <p:spPr/>
+        <p:txBody>
+          <a:bodyPr/>
+          <a:lstStyle/>
+          <a:p>
+            <a:r>
+              <a:t>Website Clicks Over Time</a:t>
+            </a:r>
+          </a:p>
+        </p:txBody>
+      </p:sp>
+      <p:pic>
+        <p:nvPicPr>
+          <p:cNvPr id="3" name="Picture 2" descr="ts_clicks_by_group.png"/>
+          <p:cNvPicPr>
+            <a:picLocks noChangeAspect="1"/>
+          </p:cNvPicPr>
+          <p:nvPr/>
+        </p:nvPicPr>
+        <p:blipFill>
+          <a:blip r:embed="rId2"/>
+          <a:stretch>
+            <a:fillRect/>
+          </a:stretch>
+        </p:blipFill>
+        <p:spPr>
+          <a:xfrm>
+            <a:off x="190508" y="1097280"/>
+            <a:ext cx="8762983" cy="5120640"/>
+          </a:xfrm>
+          <a:prstGeom prst="rect">
+            <a:avLst/>
+          </a:prstGeom>
+        </p:spPr>
+      </p:pic>
+    </p:spTree>
+  </p:cSld>
+  <p:clrMapOvr>
+    <a:masterClrMapping/>
+  </p:clrMapOvr>
+</p:sld>
+</file>
+
+<file path=ppt/slides/slide18.xml><?xml version="1.0" encoding="utf-8"?>
+<p:sld xmlns:a="http://schemas.openxmlformats.org/drawingml/2006/main" xmlns:p="http://schemas.openxmlformats.org/presentationml/2006/main" xmlns:r="http://schemas.openxmlformats.org/officeDocument/2006/relationships">
+  <p:cSld>
+    <p:spTree>
+      <p:nvGrpSpPr>
+        <p:cNvPr id="1" name=""/>
+        <p:cNvGrpSpPr/>
+        <p:nvPr/>
+      </p:nvGrpSpPr>
+      <p:grpSpPr/>
+      <p:sp>
+        <p:nvSpPr>
+          <p:cNvPr id="2" name="Title 1"/>
+          <p:cNvSpPr>
+            <a:spLocks noGrp="1"/>
+          </p:cNvSpPr>
+          <p:nvPr>
+            <p:ph type="title"/>
+          </p:nvPr>
+        </p:nvSpPr>
+        <p:spPr/>
+        <p:txBody>
+          <a:bodyPr/>
+          <a:lstStyle/>
+          <a:p>
+            <a:r>
+              <a:t>Conversion Funnel — Group A</a:t>
+            </a:r>
+          </a:p>
+        </p:txBody>
+      </p:sp>
+      <p:pic>
+        <p:nvPicPr>
+          <p:cNvPr id="3" name="Picture 2" descr="funnel_group_A.png"/>
+          <p:cNvPicPr>
+            <a:picLocks noChangeAspect="1"/>
+          </p:cNvPicPr>
+          <p:nvPr/>
+        </p:nvPicPr>
+        <p:blipFill>
+          <a:blip r:embed="rId2"/>
+          <a:stretch>
+            <a:fillRect/>
+          </a:stretch>
+        </p:blipFill>
+        <p:spPr>
+          <a:xfrm>
+            <a:off x="987552" y="1097280"/>
+            <a:ext cx="7168896" cy="5120640"/>
+          </a:xfrm>
+          <a:prstGeom prst="rect">
+            <a:avLst/>
+          </a:prstGeom>
+        </p:spPr>
+      </p:pic>
+    </p:spTree>
+  </p:cSld>
+  <p:clrMapOvr>
+    <a:masterClrMapping/>
+  </p:clrMapOvr>
+</p:sld>
+</file>
+
+<file path=ppt/slides/slide19.xml><?xml version="1.0" encoding="utf-8"?>
+<p:sld xmlns:a="http://schemas.openxmlformats.org/drawingml/2006/main" xmlns:p="http://schemas.openxmlformats.org/presentationml/2006/main" xmlns:r="http://schemas.openxmlformats.org/officeDocument/2006/relationships">
+  <p:cSld>
+    <p:spTree>
+      <p:nvGrpSpPr>
+        <p:cNvPr id="1" name=""/>
+        <p:cNvGrpSpPr/>
+        <p:nvPr/>
+      </p:nvGrpSpPr>
+      <p:grpSpPr/>
+      <p:sp>
+        <p:nvSpPr>
+          <p:cNvPr id="2" name="Title 1"/>
+          <p:cNvSpPr>
+            <a:spLocks noGrp="1"/>
+          </p:cNvSpPr>
+          <p:nvPr>
+            <p:ph type="title"/>
+          </p:nvPr>
+        </p:nvSpPr>
+        <p:spPr/>
+        <p:txBody>
+          <a:bodyPr/>
+          <a:lstStyle/>
+          <a:p>
+            <a:r>
+              <a:t>Conversion Funnel — Group B</a:t>
+            </a:r>
+          </a:p>
+        </p:txBody>
+      </p:sp>
+      <p:pic>
+        <p:nvPicPr>
+          <p:cNvPr id="3" name="Picture 2" descr="funnel_group_B.png"/>
+          <p:cNvPicPr>
+            <a:picLocks noChangeAspect="1"/>
+          </p:cNvPicPr>
+          <p:nvPr/>
+        </p:nvPicPr>
+        <p:blipFill>
+          <a:blip r:embed="rId2"/>
+          <a:stretch>
+            <a:fillRect/>
+          </a:stretch>
+        </p:blipFill>
+        <p:spPr>
+          <a:xfrm>
+            <a:off x="987552" y="1097280"/>
+            <a:ext cx="7168896" cy="5120640"/>
           </a:xfrm>
           <a:prstGeom prst="rect">
             <a:avLst/>
@@ -3366,7 +3875,7 @@
           <a:lstStyle/>
           <a:p>
             <a:r>
-              <a:t>Executive Summary</a:t>
+              <a:t>Ad Campaign A/B Analysis</a:t>
             </a:r>
           </a:p>
         </p:txBody>
@@ -3385,33 +3894,146 @@
         <p:txBody>
           <a:bodyPr/>
           <a:lstStyle/>
-          <a:p/>
           <a:p>
             <a:pPr/>
             <a:r>
-              <a:t>Group B outperformed Group A with a conversion rate of 0.0097.</a:t>
+              <a:t>Auto-generated on pipeline run</a:t>
             </a:r>
           </a:p>
           <a:p>
             <a:pPr/>
             <a:r>
-              <a:t>ROI for Group A is higher at 10.34 compared to 9.17 for Group B.</a:t>
-            </a:r>
-          </a:p>
-          <a:p>
-            <a:pPr/>
-            <a:r>
-              <a:t>Consider scaling Group B's approach to maximize revenue.</a:t>
-            </a:r>
-          </a:p>
-          <a:p>
-            <a:pPr/>
-            <a:r>
-              <a:t>Further testing recommended to explore additional optimizations.</a:t>
-            </a:r>
-          </a:p>
-        </p:txBody>
-      </p:sp>
+              <a:t>Dataset: campaign_data.csv</a:t>
+            </a:r>
+          </a:p>
+        </p:txBody>
+      </p:sp>
+    </p:spTree>
+  </p:cSld>
+  <p:clrMapOvr>
+    <a:masterClrMapping/>
+  </p:clrMapOvr>
+</p:sld>
+</file>
+
+<file path=ppt/slides/slide20.xml><?xml version="1.0" encoding="utf-8"?>
+<p:sld xmlns:a="http://schemas.openxmlformats.org/drawingml/2006/main" xmlns:p="http://schemas.openxmlformats.org/presentationml/2006/main" xmlns:r="http://schemas.openxmlformats.org/officeDocument/2006/relationships">
+  <p:cSld>
+    <p:spTree>
+      <p:nvGrpSpPr>
+        <p:cNvPr id="1" name=""/>
+        <p:cNvGrpSpPr/>
+        <p:nvPr/>
+      </p:nvGrpSpPr>
+      <p:grpSpPr/>
+      <p:sp>
+        <p:nvSpPr>
+          <p:cNvPr id="2" name="Title 1"/>
+          <p:cNvSpPr>
+            <a:spLocks noGrp="1"/>
+          </p:cNvSpPr>
+          <p:nvPr>
+            <p:ph type="title"/>
+          </p:nvPr>
+        </p:nvSpPr>
+        <p:spPr/>
+        <p:txBody>
+          <a:bodyPr/>
+          <a:lstStyle/>
+          <a:p>
+            <a:r>
+              <a:t>Spend vs Purchases — Group A</a:t>
+            </a:r>
+          </a:p>
+        </p:txBody>
+      </p:sp>
+      <p:pic>
+        <p:nvPicPr>
+          <p:cNvPr id="3" name="Picture 2" descr="pie_spend_vs_purchases_group_A.png"/>
+          <p:cNvPicPr>
+            <a:picLocks noChangeAspect="1"/>
+          </p:cNvPicPr>
+          <p:nvPr/>
+        </p:nvPicPr>
+        <p:blipFill>
+          <a:blip r:embed="rId2"/>
+          <a:stretch>
+            <a:fillRect/>
+          </a:stretch>
+        </p:blipFill>
+        <p:spPr>
+          <a:xfrm>
+            <a:off x="987552" y="1097280"/>
+            <a:ext cx="7168896" cy="5120640"/>
+          </a:xfrm>
+          <a:prstGeom prst="rect">
+            <a:avLst/>
+          </a:prstGeom>
+        </p:spPr>
+      </p:pic>
+    </p:spTree>
+  </p:cSld>
+  <p:clrMapOvr>
+    <a:masterClrMapping/>
+  </p:clrMapOvr>
+</p:sld>
+</file>
+
+<file path=ppt/slides/slide21.xml><?xml version="1.0" encoding="utf-8"?>
+<p:sld xmlns:a="http://schemas.openxmlformats.org/drawingml/2006/main" xmlns:p="http://schemas.openxmlformats.org/presentationml/2006/main" xmlns:r="http://schemas.openxmlformats.org/officeDocument/2006/relationships">
+  <p:cSld>
+    <p:spTree>
+      <p:nvGrpSpPr>
+        <p:cNvPr id="1" name=""/>
+        <p:cNvGrpSpPr/>
+        <p:nvPr/>
+      </p:nvGrpSpPr>
+      <p:grpSpPr/>
+      <p:sp>
+        <p:nvSpPr>
+          <p:cNvPr id="2" name="Title 1"/>
+          <p:cNvSpPr>
+            <a:spLocks noGrp="1"/>
+          </p:cNvSpPr>
+          <p:nvPr>
+            <p:ph type="title"/>
+          </p:nvPr>
+        </p:nvSpPr>
+        <p:spPr/>
+        <p:txBody>
+          <a:bodyPr/>
+          <a:lstStyle/>
+          <a:p>
+            <a:r>
+              <a:t>Spend vs Purchases — Group B</a:t>
+            </a:r>
+          </a:p>
+        </p:txBody>
+      </p:sp>
+      <p:pic>
+        <p:nvPicPr>
+          <p:cNvPr id="3" name="Picture 2" descr="pie_spend_vs_purchases_group_B.png"/>
+          <p:cNvPicPr>
+            <a:picLocks noChangeAspect="1"/>
+          </p:cNvPicPr>
+          <p:nvPr/>
+        </p:nvPicPr>
+        <p:blipFill>
+          <a:blip r:embed="rId2"/>
+          <a:stretch>
+            <a:fillRect/>
+          </a:stretch>
+        </p:blipFill>
+        <p:spPr>
+          <a:xfrm>
+            <a:off x="987552" y="1097280"/>
+            <a:ext cx="7168896" cy="5120640"/>
+          </a:xfrm>
+          <a:prstGeom prst="rect">
+            <a:avLst/>
+          </a:prstGeom>
+        </p:spPr>
+      </p:pic>
     </p:spTree>
   </p:cSld>
   <p:clrMapOvr>
@@ -3446,7 +4068,7 @@
           <a:lstStyle/>
           <a:p>
             <a:r>
-              <a:t>Background &amp; Hypothesis</a:t>
+              <a:t>Executive Summary</a:t>
             </a:r>
           </a:p>
         </p:txBody>
@@ -3465,17 +4087,22 @@
         <p:txBody>
           <a:bodyPr/>
           <a:lstStyle/>
-          <a:p/>
           <a:p>
             <a:pPr/>
             <a:r>
-              <a:t>Hypothesis: Different marketing strategies impact conversion rates.</a:t>
+              <a:t>Group B conversion rate: 0.974%; Group A: 0.588%</a:t>
             </a:r>
           </a:p>
           <a:p>
             <a:pPr/>
             <a:r>
-              <a:t>Objective: Identify the more effective strategy based on metrics.</a:t>
+              <a:t>ROI — B: 9.17, A: 10.34 (diff -1.18)</a:t>
+            </a:r>
+          </a:p>
+          <a:p>
+            <a:pPr/>
+            <a:r>
+              <a:t>Recommendation will be based on statistical significance and ROI.</a:t>
             </a:r>
           </a:p>
         </p:txBody>
@@ -3514,7 +4141,7 @@
           <a:lstStyle/>
           <a:p>
             <a:r>
-              <a:t>Data &amp; Methods</a:t>
+              <a:t>Background &amp; Hypothesis</a:t>
             </a:r>
           </a:p>
         </p:txBody>
@@ -3533,23 +4160,16 @@
         <p:txBody>
           <a:bodyPr/>
           <a:lstStyle/>
-          <a:p/>
           <a:p>
             <a:pPr/>
             <a:r>
-              <a:t>Data cleaned for accuracy; metrics defined for clarity.</a:t>
+              <a:t>Hypothesis: Test (B) improves conversion rate and ROI vs Control (A).</a:t>
             </a:r>
           </a:p>
           <a:p>
             <a:pPr/>
             <a:r>
-              <a:t>Key metrics: Conversion Rate (CR), ROI, Revenue per User (RPU).</a:t>
-            </a:r>
-          </a:p>
-          <a:p>
-            <a:pPr/>
-            <a:r>
-              <a:t>Statistical tests: T-tests for CR and RPU comparisons.</a:t>
+              <a:t>Goal: Decide whether to scale variant B based on evidence.</a:t>
             </a:r>
           </a:p>
         </p:txBody>
@@ -3588,7 +4208,7 @@
           <a:lstStyle/>
           <a:p>
             <a:r>
-              <a:t>Key Metrics &amp; Findings</a:t>
+              <a:t>Data &amp; Methods</a:t>
             </a:r>
           </a:p>
         </p:txBody>
@@ -3607,23 +4227,28 @@
         <p:txBody>
           <a:bodyPr/>
           <a:lstStyle/>
-          <a:p/>
           <a:p>
             <a:pPr/>
             <a:r>
-              <a:t>Group A: CR = 0.0059, ROI = 10.34, Revenue/User = $0.29.</a:t>
+              <a:t>Source: uploaded CSV (campaign_data.csv).</a:t>
             </a:r>
           </a:p>
           <a:p>
             <a:pPr/>
             <a:r>
-              <a:t>Group B: CR = 0.0097, ROI = 9.17, Revenue/User = $0.49.</a:t>
+              <a:t>Cleaning: normalized columns, parsed dates, removed zero reach rows.</a:t>
             </a:r>
           </a:p>
           <a:p>
             <a:pPr/>
             <a:r>
-              <a:t>Absolute CR lift of 0.0039 (65.6% relative increase).</a:t>
+              <a:t>KPIs: Conversion Rate, Revenue per User, ROI, Cost per Purchase.</a:t>
+            </a:r>
+          </a:p>
+          <a:p>
+            <a:pPr/>
+            <a:r>
+              <a:t>Tests: proportion z-test (CR), Welch t-test (RPU).</a:t>
             </a:r>
           </a:p>
         </p:txBody>
@@ -3662,7 +4287,7 @@
           <a:lstStyle/>
           <a:p>
             <a:r>
-              <a:t>Statistical Significance</a:t>
+              <a:t>Key Metrics &amp; Findings</a:t>
             </a:r>
           </a:p>
         </p:txBody>
@@ -3681,23 +4306,16 @@
         <p:txBody>
           <a:bodyPr/>
           <a:lstStyle/>
-          <a:p/>
           <a:p>
             <a:pPr/>
             <a:r>
-              <a:t>P-value for CR test is 0.00, indicating strong significance.</a:t>
+              <a:t>Group A: CR=0.588%, ROI=10.34</a:t>
             </a:r>
           </a:p>
           <a:p>
             <a:pPr/>
             <a:r>
-              <a:t>95% CI for CR lift: [0.0037, 0.0040].</a:t>
-            </a:r>
-          </a:p>
-          <a:p>
-            <a:pPr/>
-            <a:r>
-              <a:t>RPU test p-value is 0.004, confirming significant differences.</a:t>
+              <a:t>Group B: CR=0.974%, ROI=9.17</a:t>
             </a:r>
           </a:p>
         </p:txBody>
@@ -3736,7 +4354,7 @@
           <a:lstStyle/>
           <a:p>
             <a:r>
-              <a:t>Blockers &amp; Assumptions</a:t>
+              <a:t>Statistical Significance</a:t>
             </a:r>
           </a:p>
         </p:txBody>
@@ -3755,23 +4373,10 @@
         <p:txBody>
           <a:bodyPr/>
           <a:lstStyle/>
-          <a:p/>
           <a:p>
             <a:pPr/>
             <a:r>
-              <a:t>Assumed average order value consistent across groups.</a:t>
-            </a:r>
-          </a:p>
-          <a:p>
-            <a:pPr/>
-            <a:r>
-              <a:t>Limited reach for Group B may affect long-term results.</a:t>
-            </a:r>
-          </a:p>
-          <a:p>
-            <a:pPr/>
-            <a:r>
-              <a:t>Potential external factors influencing user behavior.</a:t>
+              <a:t>RPU t-test p-value: 0.004; mean diff: 0.0078</a:t>
             </a:r>
           </a:p>
         </p:txBody>
@@ -3810,7 +4415,7 @@
           <a:lstStyle/>
           <a:p>
             <a:r>
-              <a:t>Recommendations</a:t>
+              <a:t>Blockers &amp; Assumptions</a:t>
             </a:r>
           </a:p>
         </p:txBody>
@@ -3829,23 +4434,28 @@
         <p:txBody>
           <a:bodyPr/>
           <a:lstStyle/>
-          <a:p/>
           <a:p>
             <a:pPr/>
             <a:r>
-              <a:t>Scale Group B's strategy to enhance overall performance.</a:t>
+              <a:t>Revenue column missing; used avg_order_value fallback.</a:t>
             </a:r>
           </a:p>
           <a:p>
             <a:pPr/>
             <a:r>
-              <a:t>Continue testing to refine marketing approaches.</a:t>
+              <a:t>Assumed independent users and comparable traffic.</a:t>
             </a:r>
           </a:p>
           <a:p>
             <a:pPr/>
             <a:r>
-              <a:t>Investigate factors affecting Group A's lower performance.</a:t>
+              <a:t>Small sample sizes / unequal variance may affect t-test.</a:t>
+            </a:r>
+          </a:p>
+          <a:p>
+            <a:pPr/>
+            <a:r>
+              <a:t>Using pre-rendered PNG charts from reports/charts.</a:t>
             </a:r>
           </a:p>
         </p:txBody>
@@ -3884,7 +4494,7 @@
           <a:lstStyle/>
           <a:p>
             <a:r>
-              <a:t>Appendix</a:t>
+              <a:t>Recommendations</a:t>
             </a:r>
           </a:p>
         </p:txBody>
@@ -3903,23 +4513,10 @@
         <p:txBody>
           <a:bodyPr/>
           <a:lstStyle/>
-          <a:p/>
           <a:p>
             <a:pPr/>
             <a:r>
-              <a:t>reports/charts/conversion_rate_by_group.png</a:t>
-            </a:r>
-          </a:p>
-          <a:p>
-            <a:pPr/>
-            <a:r>
-              <a:t>reports/charts/roi_comparison.png</a:t>
-            </a:r>
-          </a:p>
-          <a:p>
-            <a:pPr/>
-            <a:r>
-              <a:t>reports/charts/revenue_distribution.png</a:t>
+              <a:t>No statistically significant lift; keep A and refine B.</a:t>
             </a:r>
           </a:p>
         </p:txBody>
